--- a/Präsentation_v1.pptx
+++ b/Präsentation_v1.pptx
@@ -188,7 +188,7 @@
       </p14:sectionLst>
     </p:ext>
     <p:ext uri="{EFAFB233-063F-42B5-8137-9DF3F51BA10A}">
-      <p15:sldGuideLst xmlns="" xmlns:p15="http://schemas.microsoft.com/office/powerpoint/2012/main">
+      <p15:sldGuideLst xmlns:p15="http://schemas.microsoft.com/office/powerpoint/2012/main" xmlns="">
         <p15:guide id="1" orient="horz" pos="635">
           <p15:clr>
             <a:srgbClr val="A4A3A4"/>
@@ -222,7 +222,7 @@
       </p15:sldGuideLst>
     </p:ext>
     <p:ext uri="{2D200454-40CA-4A62-9FC3-DE9A4176ACB9}">
-      <p15:notesGuideLst xmlns="" xmlns:p15="http://schemas.microsoft.com/office/powerpoint/2012/main">
+      <p15:notesGuideLst xmlns:p15="http://schemas.microsoft.com/office/powerpoint/2012/main" xmlns="">
         <p15:guide id="1" orient="horz" pos="3193">
           <p15:clr>
             <a:srgbClr val="A4A3A4"/>
@@ -247,7 +247,7 @@
 <file path=ppt/charts/chart1.xml><?xml version="1.0" encoding="utf-8"?>
 <c:chartSpace xmlns:c="http://schemas.openxmlformats.org/drawingml/2006/chart" xmlns:a="http://schemas.openxmlformats.org/drawingml/2006/main" xmlns:r="http://schemas.openxmlformats.org/officeDocument/2006/relationships">
   <c:date1904 val="0"/>
-  <c:lang val="en-US"/>
+  <c:lang val="de-DE"/>
   <c:roundedCorners val="0"/>
   <mc:AlternateContent xmlns:mc="http://schemas.openxmlformats.org/markup-compatibility/2006">
     <mc:Choice xmlns:c14="http://schemas.microsoft.com/office/drawing/2007/8/2/chart" Requires="c14">
@@ -448,7 +448,7 @@
       <a:pPr>
         <a:defRPr sz="1800"/>
       </a:pPr>
-      <a:endParaRPr lang="en-US"/>
+      <a:endParaRPr lang="de-DE"/>
     </a:p>
   </c:txPr>
   <c:externalData r:id="rId1">
@@ -515,7 +515,7 @@
             <a:fld id="{C6CA75DE-53F2-4E32-A428-21861BFC6312}" type="datetimeFigureOut">
               <a:rPr lang="de-DE" smtClean="0"/>
               <a:pPr/>
-              <a:t>29.05.2017</a:t>
+              <a:t>06.06.2017</a:t>
             </a:fld>
             <a:endParaRPr lang="de-DE"/>
           </a:p>
@@ -841,7 +841,7 @@
             <a:fld id="{C6CA75DE-53F2-4E32-A428-21861BFC6312}" type="datetimeFigureOut">
               <a:rPr lang="de-DE" smtClean="0"/>
               <a:pPr/>
-              <a:t>29.05.2017</a:t>
+              <a:t>06.06.2017</a:t>
             </a:fld>
             <a:endParaRPr lang="de-DE"/>
           </a:p>
@@ -1356,7 +1356,7 @@
           <a:p>
             <a:fld id="{90870B8E-6320-4E8A-929D-2C531AE59AF3}" type="datetime1">
               <a:rPr lang="de-DE" smtClean="0"/>
-              <a:t>29.05.2017</a:t>
+              <a:t>06.06.2017</a:t>
             </a:fld>
             <a:endParaRPr lang="de-DE"/>
           </a:p>
@@ -1439,7 +1439,7 @@
           <a:graphicData uri="http://schemas.openxmlformats.org/presentationml/2006/ole">
             <mc:AlternateContent xmlns:mc="http://schemas.openxmlformats.org/markup-compatibility/2006">
               <mc:Choice xmlns:v="urn:schemas-microsoft-com:vml" Requires="v">
-                <p:oleObj spid="_x0000_s2115" name="think-cell Folie" r:id="rId4" imgW="270" imgH="270" progId="TCLayout.ActiveDocument.1">
+                <p:oleObj spid="_x0000_s2116" name="think-cell Folie" r:id="rId4" imgW="270" imgH="270" progId="TCLayout.ActiveDocument.1">
                   <p:embed/>
                 </p:oleObj>
               </mc:Choice>
@@ -1696,7 +1696,7 @@
           <a:graphicData uri="http://schemas.openxmlformats.org/presentationml/2006/ole">
             <mc:AlternateContent xmlns:mc="http://schemas.openxmlformats.org/markup-compatibility/2006">
               <mc:Choice xmlns:v="urn:schemas-microsoft-com:vml" Requires="v">
-                <p:oleObj spid="_x0000_s3139" name="think-cell Folie" r:id="rId4" imgW="270" imgH="270" progId="TCLayout.ActiveDocument.1">
+                <p:oleObj spid="_x0000_s3140" name="think-cell Folie" r:id="rId4" imgW="270" imgH="270" progId="TCLayout.ActiveDocument.1">
                   <p:embed/>
                 </p:oleObj>
               </mc:Choice>
@@ -2263,7 +2263,7 @@
           <a:graphicData uri="http://schemas.openxmlformats.org/presentationml/2006/ole">
             <mc:AlternateContent xmlns:mc="http://schemas.openxmlformats.org/markup-compatibility/2006">
               <mc:Choice xmlns:v="urn:schemas-microsoft-com:vml" Requires="v">
-                <p:oleObj spid="_x0000_s4163" name="think-cell Folie" r:id="rId4" imgW="270" imgH="270" progId="TCLayout.ActiveDocument.1">
+                <p:oleObj spid="_x0000_s4164" name="think-cell Folie" r:id="rId4" imgW="270" imgH="270" progId="TCLayout.ActiveDocument.1">
                   <p:embed/>
                 </p:oleObj>
               </mc:Choice>
@@ -2631,7 +2631,7 @@
           <a:graphicData uri="http://schemas.openxmlformats.org/presentationml/2006/ole">
             <mc:AlternateContent xmlns:mc="http://schemas.openxmlformats.org/markup-compatibility/2006">
               <mc:Choice xmlns:v="urn:schemas-microsoft-com:vml" Requires="v">
-                <p:oleObj spid="_x0000_s5187" name="think-cell Folie" r:id="rId4" imgW="270" imgH="270" progId="TCLayout.ActiveDocument.1">
+                <p:oleObj spid="_x0000_s5188" name="think-cell Folie" r:id="rId4" imgW="270" imgH="270" progId="TCLayout.ActiveDocument.1">
                   <p:embed/>
                 </p:oleObj>
               </mc:Choice>
@@ -2762,7 +2762,7 @@
           <a:p>
             <a:fld id="{5A607C75-7E5E-49DD-BFE0-283F617009BA}" type="datetime1">
               <a:rPr lang="de-DE" noProof="0" smtClean="0"/>
-              <a:t>29.05.2017</a:t>
+              <a:t>06.06.2017</a:t>
             </a:fld>
             <a:endParaRPr lang="de-DE" noProof="0" dirty="0"/>
           </a:p>
@@ -3370,7 +3370,7 @@
           <a:graphicData uri="http://schemas.openxmlformats.org/presentationml/2006/ole">
             <mc:AlternateContent xmlns:mc="http://schemas.openxmlformats.org/markup-compatibility/2006">
               <mc:Choice xmlns:v="urn:schemas-microsoft-com:vml" Requires="v">
-                <p:oleObj spid="_x0000_s6211" name="think-cell Folie" r:id="rId4" imgW="270" imgH="270" progId="TCLayout.ActiveDocument.1">
+                <p:oleObj spid="_x0000_s6212" name="think-cell Folie" r:id="rId4" imgW="270" imgH="270" progId="TCLayout.ActiveDocument.1">
                   <p:embed/>
                 </p:oleObj>
               </mc:Choice>
@@ -3558,7 +3558,7 @@
           <a:p>
             <a:fld id="{5A607C75-7E5E-49DD-BFE0-283F617009BA}" type="datetime1">
               <a:rPr lang="de-DE" noProof="0" smtClean="0"/>
-              <a:t>29.05.2017</a:t>
+              <a:t>06.06.2017</a:t>
             </a:fld>
             <a:endParaRPr lang="de-DE" noProof="0" dirty="0"/>
           </a:p>
@@ -4143,7 +4143,7 @@
           <a:graphicData uri="http://schemas.openxmlformats.org/presentationml/2006/ole">
             <mc:AlternateContent xmlns:mc="http://schemas.openxmlformats.org/markup-compatibility/2006">
               <mc:Choice xmlns:v="urn:schemas-microsoft-com:vml" Requires="v">
-                <p:oleObj spid="_x0000_s1092" name="think-cell Folie" r:id="rId11" imgW="270" imgH="270" progId="TCLayout.ActiveDocument.1">
+                <p:oleObj spid="_x0000_s1093" name="think-cell Folie" r:id="rId11" imgW="270" imgH="270" progId="TCLayout.ActiveDocument.1">
                   <p:embed/>
                 </p:oleObj>
               </mc:Choice>
@@ -4336,7 +4336,7 @@
           <a:p>
             <a:fld id="{5A607C75-7E5E-49DD-BFE0-283F617009BA}" type="datetime1">
               <a:rPr lang="de-DE" noProof="0" smtClean="0"/>
-              <a:t>29.05.2017</a:t>
+              <a:t>06.06.2017</a:t>
             </a:fld>
             <a:endParaRPr lang="de-DE" noProof="0" dirty="0"/>
           </a:p>
@@ -4801,7 +4801,7 @@
           <a:graphicData uri="http://schemas.openxmlformats.org/presentationml/2006/ole">
             <mc:AlternateContent xmlns:mc="http://schemas.openxmlformats.org/markup-compatibility/2006">
               <mc:Choice xmlns:v="urn:schemas-microsoft-com:vml" Requires="v">
-                <p:oleObj spid="_x0000_s7239" name="think-cell Folie" r:id="rId5" imgW="270" imgH="270" progId="TCLayout.ActiveDocument.1">
+                <p:oleObj spid="_x0000_s7240" name="think-cell Folie" r:id="rId5" imgW="270" imgH="270" progId="TCLayout.ActiveDocument.1">
                   <p:embed/>
                 </p:oleObj>
               </mc:Choice>
@@ -5008,7 +5008,7 @@
           <a:graphicData uri="http://schemas.openxmlformats.org/presentationml/2006/ole">
             <mc:AlternateContent xmlns:mc="http://schemas.openxmlformats.org/markup-compatibility/2006">
               <mc:Choice xmlns:v="urn:schemas-microsoft-com:vml" Requires="v">
-                <p:oleObj spid="_x0000_s17467" name="think-cell Folie" r:id="rId4" imgW="270" imgH="270" progId="TCLayout.ActiveDocument.1">
+                <p:oleObj spid="_x0000_s17468" name="think-cell Folie" r:id="rId4" imgW="270" imgH="270" progId="TCLayout.ActiveDocument.1">
                   <p:embed/>
                 </p:oleObj>
               </mc:Choice>
@@ -5237,7 +5237,7 @@
           <a:p>
             <a:fld id="{5A607C75-7E5E-49DD-BFE0-283F617009BA}" type="datetime1">
               <a:rPr lang="de-DE" noProof="0" smtClean="0"/>
-              <a:t>29.05.2017</a:t>
+              <a:t>06.06.2017</a:t>
             </a:fld>
             <a:endParaRPr lang="de-DE" noProof="0" dirty="0"/>
           </a:p>
@@ -5898,7 +5898,7 @@
           <a:graphicData uri="http://schemas.openxmlformats.org/presentationml/2006/ole">
             <mc:AlternateContent xmlns:mc="http://schemas.openxmlformats.org/markup-compatibility/2006">
               <mc:Choice xmlns:v="urn:schemas-microsoft-com:vml" Requires="v">
-                <p:oleObj spid="_x0000_s21554" name="think-cell Folie" r:id="rId4" imgW="270" imgH="270" progId="TCLayout.ActiveDocument.1">
+                <p:oleObj spid="_x0000_s21555" name="think-cell Folie" r:id="rId4" imgW="270" imgH="270" progId="TCLayout.ActiveDocument.1">
                   <p:embed/>
                 </p:oleObj>
               </mc:Choice>
@@ -6127,7 +6127,7 @@
           <a:p>
             <a:fld id="{5A607C75-7E5E-49DD-BFE0-283F617009BA}" type="datetime1">
               <a:rPr lang="de-DE" noProof="0" smtClean="0"/>
-              <a:t>29.05.2017</a:t>
+              <a:t>06.06.2017</a:t>
             </a:fld>
             <a:endParaRPr lang="de-DE" noProof="0" dirty="0"/>
           </a:p>
@@ -7361,7 +7361,7 @@
 </file>
 
 <file path=ppt/slides/slide12.xml><?xml version="1.0" encoding="utf-8"?>
-<p:sld xmlns:a="http://schemas.openxmlformats.org/drawingml/2006/main" xmlns:r="http://schemas.openxmlformats.org/officeDocument/2006/relationships" xmlns:p="http://schemas.openxmlformats.org/presentationml/2006/main">
+<p:sld xmlns:a="http://schemas.openxmlformats.org/drawingml/2006/main" xmlns:r="http://schemas.openxmlformats.org/officeDocument/2006/relationships" xmlns:p="http://schemas.openxmlformats.org/presentationml/2006/main" show="0">
   <p:cSld>
     <p:spTree>
       <p:nvGrpSpPr>
@@ -7402,7 +7402,7 @@
           <a:graphicData uri="http://schemas.openxmlformats.org/presentationml/2006/ole">
             <mc:AlternateContent xmlns:mc="http://schemas.openxmlformats.org/markup-compatibility/2006">
               <mc:Choice xmlns:v="urn:schemas-microsoft-com:vml" Requires="v">
-                <p:oleObj spid="_x0000_s22577" name="think-cell Folie" r:id="rId4" imgW="270" imgH="270" progId="TCLayout.ActiveDocument.1">
+                <p:oleObj spid="_x0000_s22578" name="think-cell Folie" r:id="rId4" imgW="270" imgH="270" progId="TCLayout.ActiveDocument.1">
                   <p:embed/>
                 </p:oleObj>
               </mc:Choice>
@@ -7631,7 +7631,7 @@
           <a:p>
             <a:fld id="{5A607C75-7E5E-49DD-BFE0-283F617009BA}" type="datetime1">
               <a:rPr lang="de-DE" noProof="0" smtClean="0"/>
-              <a:t>29.05.2017</a:t>
+              <a:t>06.06.2017</a:t>
             </a:fld>
             <a:endParaRPr lang="de-DE" noProof="0" dirty="0"/>
           </a:p>
@@ -8400,7 +8400,7 @@
 </file>
 
 <file path=ppt/slides/slide13.xml><?xml version="1.0" encoding="utf-8"?>
-<p:sld xmlns:a="http://schemas.openxmlformats.org/drawingml/2006/main" xmlns:r="http://schemas.openxmlformats.org/officeDocument/2006/relationships" xmlns:p="http://schemas.openxmlformats.org/presentationml/2006/main">
+<p:sld xmlns:a="http://schemas.openxmlformats.org/drawingml/2006/main" xmlns:r="http://schemas.openxmlformats.org/officeDocument/2006/relationships" xmlns:p="http://schemas.openxmlformats.org/presentationml/2006/main" show="0">
   <p:cSld>
     <p:spTree>
       <p:nvGrpSpPr>
@@ -8441,7 +8441,7 @@
           <a:graphicData uri="http://schemas.openxmlformats.org/presentationml/2006/ole">
             <mc:AlternateContent xmlns:mc="http://schemas.openxmlformats.org/markup-compatibility/2006">
               <mc:Choice xmlns:v="urn:schemas-microsoft-com:vml" Requires="v">
-                <p:oleObj spid="_x0000_s18488" name="think-cell Folie" r:id="rId4" imgW="270" imgH="270" progId="TCLayout.ActiveDocument.1">
+                <p:oleObj spid="_x0000_s18490" name="think-cell Folie" r:id="rId4" imgW="270" imgH="270" progId="TCLayout.ActiveDocument.1">
                   <p:embed/>
                 </p:oleObj>
               </mc:Choice>
@@ -8670,7 +8670,7 @@
           <a:p>
             <a:fld id="{5A607C75-7E5E-49DD-BFE0-283F617009BA}" type="datetime1">
               <a:rPr lang="de-DE" noProof="0" smtClean="0"/>
-              <a:t>29.05.2017</a:t>
+              <a:t>06.06.2017</a:t>
             </a:fld>
             <a:endParaRPr lang="de-DE" noProof="0" dirty="0"/>
           </a:p>
@@ -8725,7 +8725,7 @@
       </p:sp>
       <p:pic>
         <p:nvPicPr>
-          <p:cNvPr id="11" name="Picture 2" descr="U:\Projektarbeit\Präsentation\img\AblaufFrontendPNG.png"/>
+          <p:cNvPr id="18489" name="Picture 57" descr="U:\Projektarbeit\Diagramme\Aktivitätsdiagramm.png"/>
           <p:cNvPicPr>
             <a:picLocks noChangeAspect="1" noChangeArrowheads="1"/>
           </p:cNvPicPr>
@@ -8747,7 +8747,7 @@
         <p:spPr bwMode="auto">
           <a:xfrm>
             <a:off x="324247" y="720403"/>
-            <a:ext cx="5184576" cy="4281152"/>
+            <a:ext cx="5133329" cy="4238885"/>
           </a:xfrm>
           <a:prstGeom prst="rect">
             <a:avLst/>
@@ -8854,7 +8854,7 @@
 </file>
 
 <file path=ppt/slides/slide14.xml><?xml version="1.0" encoding="utf-8"?>
-<p:sld xmlns:a="http://schemas.openxmlformats.org/drawingml/2006/main" xmlns:r="http://schemas.openxmlformats.org/officeDocument/2006/relationships" xmlns:p="http://schemas.openxmlformats.org/presentationml/2006/main">
+<p:sld xmlns:a="http://schemas.openxmlformats.org/drawingml/2006/main" xmlns:r="http://schemas.openxmlformats.org/officeDocument/2006/relationships" xmlns:p="http://schemas.openxmlformats.org/presentationml/2006/main" show="0">
   <p:cSld>
     <p:spTree>
       <p:nvGrpSpPr>
@@ -8895,7 +8895,7 @@
           <a:graphicData uri="http://schemas.openxmlformats.org/presentationml/2006/ole">
             <mc:AlternateContent xmlns:mc="http://schemas.openxmlformats.org/markup-compatibility/2006">
               <mc:Choice xmlns:v="urn:schemas-microsoft-com:vml" Requires="v">
-                <p:oleObj spid="_x0000_s20534" name="think-cell Folie" r:id="rId4" imgW="270" imgH="270" progId="TCLayout.ActiveDocument.1">
+                <p:oleObj spid="_x0000_s20535" name="think-cell Folie" r:id="rId4" imgW="270" imgH="270" progId="TCLayout.ActiveDocument.1">
                   <p:embed/>
                 </p:oleObj>
               </mc:Choice>
@@ -9116,7 +9116,7 @@
           <a:p>
             <a:fld id="{5A607C75-7E5E-49DD-BFE0-283F617009BA}" type="datetime1">
               <a:rPr lang="de-DE" noProof="0" smtClean="0"/>
-              <a:t>29.05.2017</a:t>
+              <a:t>06.06.2017</a:t>
             </a:fld>
             <a:endParaRPr lang="de-DE" noProof="0" dirty="0"/>
           </a:p>
@@ -10453,7 +10453,7 @@
           <a:graphicData uri="http://schemas.openxmlformats.org/presentationml/2006/ole">
             <mc:AlternateContent xmlns:mc="http://schemas.openxmlformats.org/markup-compatibility/2006">
               <mc:Choice xmlns:v="urn:schemas-microsoft-com:vml" Requires="v">
-                <p:oleObj spid="_x0000_s23594" name="think-cell Folie" r:id="rId4" imgW="270" imgH="270" progId="TCLayout.ActiveDocument.1">
+                <p:oleObj spid="_x0000_s23595" name="think-cell Folie" r:id="rId4" imgW="270" imgH="270" progId="TCLayout.ActiveDocument.1">
                   <p:embed/>
                 </p:oleObj>
               </mc:Choice>
@@ -10681,7 +10681,7 @@
           <a:p>
             <a:fld id="{5A607C75-7E5E-49DD-BFE0-283F617009BA}" type="datetime1">
               <a:rPr lang="de-DE" noProof="0" smtClean="0"/>
-              <a:t>29.05.2017</a:t>
+              <a:t>06.06.2017</a:t>
             </a:fld>
             <a:endParaRPr lang="de-DE" noProof="0" dirty="0"/>
           </a:p>
@@ -11293,7 +11293,7 @@
           <a:graphicData uri="http://schemas.openxmlformats.org/presentationml/2006/ole">
             <mc:AlternateContent xmlns:mc="http://schemas.openxmlformats.org/markup-compatibility/2006">
               <mc:Choice xmlns:v="urn:schemas-microsoft-com:vml" Requires="v">
-                <p:oleObj spid="_x0000_s24614" name="think-cell Folie" r:id="rId4" imgW="270" imgH="270" progId="TCLayout.ActiveDocument.1">
+                <p:oleObj spid="_x0000_s24615" name="think-cell Folie" r:id="rId4" imgW="270" imgH="270" progId="TCLayout.ActiveDocument.1">
                   <p:embed/>
                 </p:oleObj>
               </mc:Choice>
@@ -11514,7 +11514,7 @@
           <a:p>
             <a:fld id="{5A607C75-7E5E-49DD-BFE0-283F617009BA}" type="datetime1">
               <a:rPr lang="de-DE" noProof="0" smtClean="0"/>
-              <a:t>29.05.2017</a:t>
+              <a:t>06.06.2017</a:t>
             </a:fld>
             <a:endParaRPr lang="de-DE" noProof="0" dirty="0"/>
           </a:p>
@@ -11753,7 +11753,7 @@
           <a:graphicData uri="http://schemas.openxmlformats.org/presentationml/2006/ole">
             <mc:AlternateContent xmlns:mc="http://schemas.openxmlformats.org/markup-compatibility/2006">
               <mc:Choice xmlns:v="urn:schemas-microsoft-com:vml" Requires="v">
-                <p:oleObj spid="_x0000_s8269" name="think-cell Folie" r:id="rId4" imgW="270" imgH="270" progId="TCLayout.ActiveDocument.1">
+                <p:oleObj spid="_x0000_s8270" name="think-cell Folie" r:id="rId4" imgW="270" imgH="270" progId="TCLayout.ActiveDocument.1">
                   <p:embed/>
                 </p:oleObj>
               </mc:Choice>
@@ -12001,7 +12001,7 @@
           <a:p>
             <a:fld id="{5A607C75-7E5E-49DD-BFE0-283F617009BA}" type="datetime1">
               <a:rPr lang="de-DE" noProof="0" smtClean="0"/>
-              <a:t>29.05.2017</a:t>
+              <a:t>06.06.2017</a:t>
             </a:fld>
             <a:endParaRPr lang="de-DE" noProof="0" dirty="0"/>
           </a:p>
@@ -12226,7 +12226,7 @@
           <a:graphicData uri="http://schemas.openxmlformats.org/presentationml/2006/ole">
             <mc:AlternateContent xmlns:mc="http://schemas.openxmlformats.org/markup-compatibility/2006">
               <mc:Choice xmlns:v="urn:schemas-microsoft-com:vml" Requires="v">
-                <p:oleObj spid="_x0000_s9286" name="think-cell Folie" r:id="rId4" imgW="270" imgH="270" progId="TCLayout.ActiveDocument.1">
+                <p:oleObj spid="_x0000_s9287" name="think-cell Folie" r:id="rId4" imgW="270" imgH="270" progId="TCLayout.ActiveDocument.1">
                   <p:embed/>
                 </p:oleObj>
               </mc:Choice>
@@ -12287,19 +12287,7 @@
                   </a:outerShdw>
                 </a:effectLst>
               </a:rPr>
-              <a:t>Wir – </a:t>
-            </a:r>
-            <a:r>
-              <a:rPr lang="de-DE" sz="2000" b="0" dirty="0" smtClean="0">
-                <a:effectLst>
-                  <a:outerShdw blurRad="38100" dist="38100" dir="2700000" algn="tl">
-                    <a:srgbClr val="000000">
-                      <a:alpha val="43137"/>
-                    </a:srgbClr>
-                  </a:outerShdw>
-                </a:effectLst>
-              </a:rPr>
-              <a:t>der interne IT Dienstleister</a:t>
+              <a:t>Wir – der interne IT Dienstleister</a:t>
             </a:r>
             <a:endParaRPr lang="de-DE" sz="2000" b="0" dirty="0">
               <a:effectLst>
@@ -12552,7 +12540,7 @@
           <a:p>
             <a:fld id="{5A607C75-7E5E-49DD-BFE0-283F617009BA}" type="datetime1">
               <a:rPr lang="de-DE" noProof="0" smtClean="0"/>
-              <a:t>29.05.2017</a:t>
+              <a:t>06.06.2017</a:t>
             </a:fld>
             <a:endParaRPr lang="de-DE" noProof="0" dirty="0"/>
           </a:p>
@@ -13122,7 +13110,7 @@
           <a:graphicData uri="http://schemas.openxmlformats.org/presentationml/2006/ole">
             <mc:AlternateContent xmlns:mc="http://schemas.openxmlformats.org/markup-compatibility/2006">
               <mc:Choice xmlns:v="urn:schemas-microsoft-com:vml" Requires="v">
-                <p:oleObj spid="_x0000_s11330" name="think-cell Folie" r:id="rId4" imgW="270" imgH="270" progId="TCLayout.ActiveDocument.1">
+                <p:oleObj spid="_x0000_s11331" name="think-cell Folie" r:id="rId4" imgW="270" imgH="270" progId="TCLayout.ActiveDocument.1">
                   <p:embed/>
                 </p:oleObj>
               </mc:Choice>
@@ -13222,21 +13210,8 @@
                   <a:schemeClr val="tx2"/>
                 </a:solidFill>
               </a:rPr>
-              <a:t>Echtzeit </a:t>
-            </a:r>
-            <a:r>
-              <a:rPr lang="de-DE" dirty="0" smtClean="0">
-                <a:solidFill>
-                  <a:schemeClr val="tx2"/>
-                </a:solidFill>
-              </a:rPr>
-              <a:t>Kommunikation</a:t>
-            </a:r>
-            <a:endParaRPr lang="de-DE" dirty="0" smtClean="0">
-              <a:solidFill>
-                <a:schemeClr val="tx2"/>
-              </a:solidFill>
-            </a:endParaRPr>
+              <a:t>Echtzeit Kommunikation</a:t>
+            </a:r>
           </a:p>
           <a:p>
             <a:pPr marL="171450" indent="-171450" algn="ctr">
@@ -13462,7 +13437,7 @@
           <a:p>
             <a:fld id="{5A607C75-7E5E-49DD-BFE0-283F617009BA}" type="datetime1">
               <a:rPr lang="de-DE" noProof="0" smtClean="0"/>
-              <a:t>29.05.2017</a:t>
+              <a:t>06.06.2017</a:t>
             </a:fld>
             <a:endParaRPr lang="de-DE" noProof="0" dirty="0"/>
           </a:p>
@@ -14032,7 +14007,7 @@
           <a:graphicData uri="http://schemas.openxmlformats.org/presentationml/2006/ole">
             <mc:AlternateContent xmlns:mc="http://schemas.openxmlformats.org/markup-compatibility/2006">
               <mc:Choice xmlns:v="urn:schemas-microsoft-com:vml" Requires="v">
-                <p:oleObj spid="_x0000_s10321" name="think-cell Folie" r:id="rId4" imgW="270" imgH="270" progId="TCLayout.ActiveDocument.1">
+                <p:oleObj spid="_x0000_s10322" name="think-cell Folie" r:id="rId4" imgW="270" imgH="270" progId="TCLayout.ActiveDocument.1">
                   <p:embed/>
                 </p:oleObj>
               </mc:Choice>
@@ -14261,7 +14236,7 @@
           <a:p>
             <a:fld id="{5A607C75-7E5E-49DD-BFE0-283F617009BA}" type="datetime1">
               <a:rPr lang="de-DE" noProof="0" smtClean="0"/>
-              <a:t>29.05.2017</a:t>
+              <a:t>06.06.2017</a:t>
             </a:fld>
             <a:endParaRPr lang="de-DE" noProof="0" dirty="0"/>
           </a:p>
@@ -16556,7 +16531,7 @@
           <a:graphicData uri="http://schemas.openxmlformats.org/presentationml/2006/ole">
             <mc:AlternateContent xmlns:mc="http://schemas.openxmlformats.org/markup-compatibility/2006">
               <mc:Choice xmlns:v="urn:schemas-microsoft-com:vml" Requires="v">
-                <p:oleObj spid="_x0000_s13375" name="think-cell Folie" r:id="rId4" imgW="270" imgH="270" progId="TCLayout.ActiveDocument.1">
+                <p:oleObj spid="_x0000_s13376" name="think-cell Folie" r:id="rId4" imgW="270" imgH="270" progId="TCLayout.ActiveDocument.1">
                   <p:embed/>
                 </p:oleObj>
               </mc:Choice>
@@ -16988,7 +16963,7 @@
           <a:p>
             <a:fld id="{5A607C75-7E5E-49DD-BFE0-283F617009BA}" type="datetime1">
               <a:rPr lang="de-DE" noProof="0" smtClean="0"/>
-              <a:t>29.05.2017</a:t>
+              <a:t>06.06.2017</a:t>
             </a:fld>
             <a:endParaRPr lang="de-DE" noProof="0" dirty="0"/>
           </a:p>
@@ -18478,7 +18453,7 @@
           <a:graphicData uri="http://schemas.openxmlformats.org/presentationml/2006/ole">
             <mc:AlternateContent xmlns:mc="http://schemas.openxmlformats.org/markup-compatibility/2006">
               <mc:Choice xmlns:v="urn:schemas-microsoft-com:vml" Requires="v">
-                <p:oleObj spid="_x0000_s14415" name="think-cell Folie" r:id="rId4" imgW="270" imgH="270" progId="TCLayout.ActiveDocument.1">
+                <p:oleObj spid="_x0000_s14417" name="think-cell Folie" r:id="rId4" imgW="270" imgH="270" progId="TCLayout.ActiveDocument.1">
                   <p:embed/>
                 </p:oleObj>
               </mc:Choice>
@@ -18707,7 +18682,7 @@
           <a:p>
             <a:fld id="{5A607C75-7E5E-49DD-BFE0-283F617009BA}" type="datetime1">
               <a:rPr lang="de-DE" noProof="0" smtClean="0"/>
-              <a:t>29.05.2017</a:t>
+              <a:t>06.06.2017</a:t>
             </a:fld>
             <a:endParaRPr lang="de-DE" noProof="0" dirty="0"/>
           </a:p>
@@ -18760,28 +18735,9 @@
           </a:p>
         </p:txBody>
       </p:sp>
-      <p:sp>
-        <p:nvSpPr>
-          <p:cNvPr id="7" name="Inhaltsplatzhalter 6"/>
-          <p:cNvSpPr>
-            <a:spLocks noGrp="1"/>
-          </p:cNvSpPr>
-          <p:nvPr>
-            <p:ph idx="1"/>
-          </p:nvPr>
-        </p:nvSpPr>
-        <p:spPr/>
-        <p:txBody>
-          <a:bodyPr/>
-          <a:lstStyle/>
-          <a:p>
-            <a:endParaRPr lang="de-DE" dirty="0"/>
-          </a:p>
-        </p:txBody>
-      </p:sp>
       <p:pic>
         <p:nvPicPr>
-          <p:cNvPr id="14359" name="Picture 23" descr="U:\Projektarbeit\Präsentation\img\UseCasePNG.png"/>
+          <p:cNvPr id="14416" name="Picture 80" descr="U:\Projektarbeit\Diagramme\Anwendungsfalldiagramm.png"/>
           <p:cNvPicPr>
             <a:picLocks noChangeAspect="1" noChangeArrowheads="1"/>
           </p:cNvPicPr>
@@ -18802,8 +18758,8 @@
         </p:blipFill>
         <p:spPr bwMode="auto">
           <a:xfrm>
-            <a:off x="180230" y="1020271"/>
-            <a:ext cx="5802277" cy="3516556"/>
+            <a:off x="180232" y="1102487"/>
+            <a:ext cx="5544616" cy="3603209"/>
           </a:xfrm>
           <a:prstGeom prst="rect">
             <a:avLst/>
@@ -18951,7 +18907,7 @@
           <a:graphicData uri="http://schemas.openxmlformats.org/presentationml/2006/ole">
             <mc:AlternateContent xmlns:mc="http://schemas.openxmlformats.org/markup-compatibility/2006">
               <mc:Choice xmlns:v="urn:schemas-microsoft-com:vml" Requires="v">
-                <p:oleObj spid="_x0000_s15417" name="think-cell Folie" r:id="rId4" imgW="270" imgH="270" progId="TCLayout.ActiveDocument.1">
+                <p:oleObj spid="_x0000_s15418" name="think-cell Folie" r:id="rId4" imgW="270" imgH="270" progId="TCLayout.ActiveDocument.1">
                   <p:embed/>
                 </p:oleObj>
               </mc:Choice>
@@ -19180,7 +19136,7 @@
           <a:p>
             <a:fld id="{5A607C75-7E5E-49DD-BFE0-283F617009BA}" type="datetime1">
               <a:rPr lang="de-DE" noProof="0" smtClean="0"/>
-              <a:t>29.05.2017</a:t>
+              <a:t>06.06.2017</a:t>
             </a:fld>
             <a:endParaRPr lang="de-DE" noProof="0" dirty="0"/>
           </a:p>
@@ -19389,7 +19345,7 @@
           <a:graphicData uri="http://schemas.openxmlformats.org/presentationml/2006/ole">
             <mc:AlternateContent xmlns:mc="http://schemas.openxmlformats.org/markup-compatibility/2006">
               <mc:Choice xmlns:v="urn:schemas-microsoft-com:vml" Requires="v">
-                <p:oleObj spid="_x0000_s16438" name="think-cell Folie" r:id="rId4" imgW="270" imgH="270" progId="TCLayout.ActiveDocument.1">
+                <p:oleObj spid="_x0000_s16439" name="think-cell Folie" r:id="rId4" imgW="270" imgH="270" progId="TCLayout.ActiveDocument.1">
                   <p:embed/>
                 </p:oleObj>
               </mc:Choice>
@@ -19618,7 +19574,7 @@
           <a:p>
             <a:fld id="{5A607C75-7E5E-49DD-BFE0-283F617009BA}" type="datetime1">
               <a:rPr lang="de-DE" noProof="0" smtClean="0"/>
-              <a:t>29.05.2017</a:t>
+              <a:t>06.06.2017</a:t>
             </a:fld>
             <a:endParaRPr lang="de-DE" noProof="0" dirty="0"/>
           </a:p>
@@ -19700,28 +19656,28 @@
                 <a:gridCol w="1152971">
                   <a:extLst>
                     <a:ext uri="{9D8B030D-6E8A-4147-A177-3AD203B41FA5}">
-                      <a16:colId xmlns="" xmlns:a16="http://schemas.microsoft.com/office/drawing/2014/main" val="20000"/>
+                      <a16:colId xmlns:a16="http://schemas.microsoft.com/office/drawing/2014/main" xmlns="" val="20000"/>
                     </a:ext>
                   </a:extLst>
                 </a:gridCol>
                 <a:gridCol w="1547367">
                   <a:extLst>
                     <a:ext uri="{9D8B030D-6E8A-4147-A177-3AD203B41FA5}">
-                      <a16:colId xmlns="" xmlns:a16="http://schemas.microsoft.com/office/drawing/2014/main" val="20001"/>
+                      <a16:colId xmlns:a16="http://schemas.microsoft.com/office/drawing/2014/main" xmlns="" val="20001"/>
                     </a:ext>
                   </a:extLst>
                 </a:gridCol>
                 <a:gridCol w="1350169">
                   <a:extLst>
                     <a:ext uri="{9D8B030D-6E8A-4147-A177-3AD203B41FA5}">
-                      <a16:colId xmlns="" xmlns:a16="http://schemas.microsoft.com/office/drawing/2014/main" val="20002"/>
+                      <a16:colId xmlns:a16="http://schemas.microsoft.com/office/drawing/2014/main" xmlns="" val="20002"/>
                     </a:ext>
                   </a:extLst>
                 </a:gridCol>
                 <a:gridCol w="1350169">
                   <a:extLst>
                     <a:ext uri="{9D8B030D-6E8A-4147-A177-3AD203B41FA5}">
-                      <a16:colId xmlns="" xmlns:a16="http://schemas.microsoft.com/office/drawing/2014/main" val="20003"/>
+                      <a16:colId xmlns:a16="http://schemas.microsoft.com/office/drawing/2014/main" xmlns="" val="20003"/>
                     </a:ext>
                   </a:extLst>
                 </a:gridCol>
@@ -19785,7 +19741,7 @@
                 </a:tc>
                 <a:extLst>
                   <a:ext uri="{0D108BD9-81ED-4DB2-BD59-A6C34878D82A}">
-                    <a16:rowId xmlns="" xmlns:a16="http://schemas.microsoft.com/office/drawing/2014/main" val="10000"/>
+                    <a16:rowId xmlns:a16="http://schemas.microsoft.com/office/drawing/2014/main" xmlns="" val="10000"/>
                   </a:ext>
                 </a:extLst>
               </a:tr>
@@ -19847,7 +19803,7 @@
                 </a:tc>
                 <a:extLst>
                   <a:ext uri="{0D108BD9-81ED-4DB2-BD59-A6C34878D82A}">
-                    <a16:rowId xmlns="" xmlns:a16="http://schemas.microsoft.com/office/drawing/2014/main" val="10001"/>
+                    <a16:rowId xmlns:a16="http://schemas.microsoft.com/office/drawing/2014/main" xmlns="" val="10001"/>
                   </a:ext>
                 </a:extLst>
               </a:tr>
@@ -19916,7 +19872,7 @@
                 </a:tc>
                 <a:extLst>
                   <a:ext uri="{0D108BD9-81ED-4DB2-BD59-A6C34878D82A}">
-                    <a16:rowId xmlns="" xmlns:a16="http://schemas.microsoft.com/office/drawing/2014/main" val="10002"/>
+                    <a16:rowId xmlns:a16="http://schemas.microsoft.com/office/drawing/2014/main" xmlns="" val="10002"/>
                   </a:ext>
                 </a:extLst>
               </a:tr>
@@ -20033,7 +19989,7 @@
                 </a:tc>
                 <a:extLst>
                   <a:ext uri="{0D108BD9-81ED-4DB2-BD59-A6C34878D82A}">
-                    <a16:rowId xmlns="" xmlns:a16="http://schemas.microsoft.com/office/drawing/2014/main" val="10003"/>
+                    <a16:rowId xmlns:a16="http://schemas.microsoft.com/office/drawing/2014/main" xmlns="" val="10003"/>
                   </a:ext>
                 </a:extLst>
               </a:tr>
